--- a/docs/songs_2025-01-19.pptx
+++ b/docs/songs_2025-01-19.pptx
@@ -5,7 +5,7 @@
     <p:sldMasterId id="2147483648" r:id="rId1"/>
   </p:sldMasterIdLst>
   <p:notesMasterIdLst>
-    <p:notesMasterId r:id="rId48"/>
+    <p:notesMasterId r:id="rId51"/>
   </p:notesMasterIdLst>
   <p:sldIdLst>
     <p:sldId id="950" r:id="rId2"/>
@@ -53,7 +53,10 @@
     <p:sldId id="1171" r:id="rId44"/>
     <p:sldId id="1214" r:id="rId45"/>
     <p:sldId id="1122" r:id="rId46"/>
-    <p:sldId id="946" r:id="rId47"/>
+    <p:sldId id="642" r:id="rId47"/>
+    <p:sldId id="607" r:id="rId48"/>
+    <p:sldId id="627" r:id="rId49"/>
+    <p:sldId id="946" r:id="rId50"/>
   </p:sldIdLst>
   <p:sldSz cx="9144000" cy="6858000" type="screen4x3"/>
   <p:notesSz cx="6858000" cy="9144000"/>
@@ -202,6 +205,9 @@
             <p14:sldId id="1171"/>
             <p14:sldId id="1214"/>
             <p14:sldId id="1122"/>
+            <p14:sldId id="642"/>
+            <p14:sldId id="607"/>
+            <p14:sldId id="627"/>
             <p14:sldId id="946"/>
           </p14:sldIdLst>
         </p14:section>
@@ -307,7 +313,7 @@
           <a:p>
             <a:fld id="{C57EAEFC-A9C7-464E-BE3F-33D4DD72E122}" type="datetimeFigureOut">
               <a:rPr lang="en-GB" smtClean="0"/>
-              <a:t>13/01/2025</a:t>
+              <a:t>18/01/2025</a:t>
             </a:fld>
             <a:endParaRPr lang="en-GB"/>
           </a:p>
@@ -1336,7 +1342,7 @@
           <a:p>
             <a:fld id="{E79B61DE-1D46-4752-AF65-FA2C4EB0D1D0}" type="slidenum">
               <a:rPr lang="en-GB" smtClean="0"/>
-              <a:t>46</a:t>
+              <a:t>49</a:t>
             </a:fld>
             <a:endParaRPr lang="en-GB"/>
           </a:p>
@@ -1535,7 +1541,7 @@
             <a:fld id="{26EA1CF3-4A15-4CBF-9A5A-6A56C368BE71}" type="datetimeFigureOut">
               <a:rPr lang="en-GB" smtClean="0"/>
               <a:pPr/>
-              <a:t>13/01/2025</a:t>
+              <a:t>18/01/2025</a:t>
             </a:fld>
             <a:endParaRPr lang="en-GB"/>
           </a:p>
@@ -1700,7 +1706,7 @@
             <a:fld id="{26EA1CF3-4A15-4CBF-9A5A-6A56C368BE71}" type="datetimeFigureOut">
               <a:rPr lang="en-GB" smtClean="0"/>
               <a:pPr/>
-              <a:t>13/01/2025</a:t>
+              <a:t>18/01/2025</a:t>
             </a:fld>
             <a:endParaRPr lang="en-GB"/>
           </a:p>
@@ -1875,7 +1881,7 @@
             <a:fld id="{26EA1CF3-4A15-4CBF-9A5A-6A56C368BE71}" type="datetimeFigureOut">
               <a:rPr lang="en-GB" smtClean="0"/>
               <a:pPr/>
-              <a:t>13/01/2025</a:t>
+              <a:t>18/01/2025</a:t>
             </a:fld>
             <a:endParaRPr lang="en-GB"/>
           </a:p>
@@ -2042,7 +2048,7 @@
             <a:fld id="{26EA1CF3-4A15-4CBF-9A5A-6A56C368BE71}" type="datetimeFigureOut">
               <a:rPr lang="en-GB" smtClean="0"/>
               <a:pPr/>
-              <a:t>13/01/2025</a:t>
+              <a:t>18/01/2025</a:t>
             </a:fld>
             <a:endParaRPr lang="en-GB"/>
           </a:p>
@@ -2284,7 +2290,7 @@
             <a:fld id="{26EA1CF3-4A15-4CBF-9A5A-6A56C368BE71}" type="datetimeFigureOut">
               <a:rPr lang="en-GB" smtClean="0"/>
               <a:pPr/>
-              <a:t>13/01/2025</a:t>
+              <a:t>18/01/2025</a:t>
             </a:fld>
             <a:endParaRPr lang="en-GB"/>
           </a:p>
@@ -2566,7 +2572,7 @@
             <a:fld id="{26EA1CF3-4A15-4CBF-9A5A-6A56C368BE71}" type="datetimeFigureOut">
               <a:rPr lang="en-GB" smtClean="0"/>
               <a:pPr/>
-              <a:t>13/01/2025</a:t>
+              <a:t>18/01/2025</a:t>
             </a:fld>
             <a:endParaRPr lang="en-GB"/>
           </a:p>
@@ -2982,7 +2988,7 @@
             <a:fld id="{26EA1CF3-4A15-4CBF-9A5A-6A56C368BE71}" type="datetimeFigureOut">
               <a:rPr lang="en-GB" smtClean="0"/>
               <a:pPr/>
-              <a:t>13/01/2025</a:t>
+              <a:t>18/01/2025</a:t>
             </a:fld>
             <a:endParaRPr lang="en-GB"/>
           </a:p>
@@ -3096,7 +3102,7 @@
             <a:fld id="{26EA1CF3-4A15-4CBF-9A5A-6A56C368BE71}" type="datetimeFigureOut">
               <a:rPr lang="en-GB" smtClean="0"/>
               <a:pPr/>
-              <a:t>13/01/2025</a:t>
+              <a:t>18/01/2025</a:t>
             </a:fld>
             <a:endParaRPr lang="en-GB"/>
           </a:p>
@@ -3188,7 +3194,7 @@
             <a:fld id="{26EA1CF3-4A15-4CBF-9A5A-6A56C368BE71}" type="datetimeFigureOut">
               <a:rPr lang="en-GB" smtClean="0"/>
               <a:pPr/>
-              <a:t>13/01/2025</a:t>
+              <a:t>18/01/2025</a:t>
             </a:fld>
             <a:endParaRPr lang="en-GB"/>
           </a:p>
@@ -3460,7 +3466,7 @@
             <a:fld id="{26EA1CF3-4A15-4CBF-9A5A-6A56C368BE71}" type="datetimeFigureOut">
               <a:rPr lang="en-GB" smtClean="0"/>
               <a:pPr/>
-              <a:t>13/01/2025</a:t>
+              <a:t>18/01/2025</a:t>
             </a:fld>
             <a:endParaRPr lang="en-GB"/>
           </a:p>
@@ -3712,7 +3718,7 @@
             <a:fld id="{26EA1CF3-4A15-4CBF-9A5A-6A56C368BE71}" type="datetimeFigureOut">
               <a:rPr lang="en-GB" smtClean="0"/>
               <a:pPr/>
-              <a:t>13/01/2025</a:t>
+              <a:t>18/01/2025</a:t>
             </a:fld>
             <a:endParaRPr lang="en-GB"/>
           </a:p>
@@ -3921,7 +3927,7 @@
             <a:fld id="{26EA1CF3-4A15-4CBF-9A5A-6A56C368BE71}" type="datetimeFigureOut">
               <a:rPr lang="en-GB" smtClean="0"/>
               <a:pPr/>
-              <a:t>13/01/2025</a:t>
+              <a:t>18/01/2025</a:t>
             </a:fld>
             <a:endParaRPr lang="en-GB"/>
           </a:p>
@@ -12064,6 +12070,530 @@
 </file>
 
 <file path=ppt/slides/slide46.xml><?xml version="1.0" encoding="utf-8"?>
+<p:sld xmlns:a="http://schemas.openxmlformats.org/drawingml/2006/main" xmlns:r="http://schemas.openxmlformats.org/officeDocument/2006/relationships" xmlns:p="http://schemas.openxmlformats.org/presentationml/2006/main">
+  <p:cSld>
+    <p:spTree>
+      <p:nvGrpSpPr>
+        <p:cNvPr id="1" name=""/>
+        <p:cNvGrpSpPr/>
+        <p:nvPr/>
+      </p:nvGrpSpPr>
+      <p:grpSpPr>
+        <a:xfrm>
+          <a:off x="0" y="0"/>
+          <a:ext cx="0" cy="0"/>
+          <a:chOff x="0" y="0"/>
+          <a:chExt cx="0" cy="0"/>
+        </a:xfrm>
+      </p:grpSpPr>
+      <p:sp>
+        <p:nvSpPr>
+          <p:cNvPr id="3" name="Subtitle 2"/>
+          <p:cNvSpPr>
+            <a:spLocks noGrp="1"/>
+          </p:cNvSpPr>
+          <p:nvPr>
+            <p:ph type="subTitle" idx="1"/>
+          </p:nvPr>
+        </p:nvSpPr>
+        <p:spPr>
+          <a:xfrm>
+            <a:off x="323528" y="188640"/>
+            <a:ext cx="8640960" cy="6480720"/>
+          </a:xfrm>
+        </p:spPr>
+        <p:txBody>
+          <a:bodyPr>
+            <a:noAutofit/>
+          </a:bodyPr>
+          <a:lstStyle/>
+          <a:p>
+            <a:endParaRPr lang="en-GB" sz="6600" dirty="0">
+              <a:solidFill>
+                <a:srgbClr val="00A3E0"/>
+              </a:solidFill>
+              <a:latin typeface="akagi_probook"/>
+            </a:endParaRPr>
+          </a:p>
+          <a:p>
+            <a:r>
+              <a:rPr lang="en-GB" sz="6600" dirty="0">
+                <a:solidFill>
+                  <a:srgbClr val="00A3E0"/>
+                </a:solidFill>
+                <a:latin typeface="akagi_probook"/>
+              </a:rPr>
+              <a:t>God of This City</a:t>
+            </a:r>
+          </a:p>
+          <a:p>
+            <a:br>
+              <a:rPr lang="en-GB" sz="1200" dirty="0">
+                <a:solidFill>
+                  <a:schemeClr val="bg1"/>
+                </a:solidFill>
+              </a:rPr>
+            </a:br>
+            <a:r>
+              <a:rPr lang="en-GB" sz="1200" dirty="0">
+                <a:solidFill>
+                  <a:schemeClr val="bg1"/>
+                </a:solidFill>
+              </a:rPr>
+              <a:t>CCLI Song # 5037070</a:t>
+            </a:r>
+          </a:p>
+          <a:p>
+            <a:endParaRPr lang="en-GB" sz="1200" dirty="0">
+              <a:solidFill>
+                <a:schemeClr val="bg1"/>
+              </a:solidFill>
+            </a:endParaRPr>
+          </a:p>
+          <a:p>
+            <a:r>
+              <a:rPr lang="en-GB" sz="1200" dirty="0">
+                <a:solidFill>
+                  <a:schemeClr val="bg1"/>
+                </a:solidFill>
+              </a:rPr>
+              <a:t>Aaron Boyd | Andrew McCann | Ian Jordan | Peter Comfort | Peter </a:t>
+            </a:r>
+            <a:r>
+              <a:rPr lang="en-GB" sz="1200" dirty="0" err="1">
+                <a:solidFill>
+                  <a:schemeClr val="bg1"/>
+                </a:solidFill>
+              </a:rPr>
+              <a:t>Kernoghan</a:t>
+            </a:r>
+            <a:r>
+              <a:rPr lang="en-GB" sz="1200" dirty="0">
+                <a:solidFill>
+                  <a:schemeClr val="bg1"/>
+                </a:solidFill>
+              </a:rPr>
+              <a:t> | Richard </a:t>
+            </a:r>
+            <a:r>
+              <a:rPr lang="en-GB" sz="1200" dirty="0" err="1">
+                <a:solidFill>
+                  <a:schemeClr val="bg1"/>
+                </a:solidFill>
+              </a:rPr>
+              <a:t>Bleakley</a:t>
+            </a:r>
+            <a:endParaRPr lang="en-GB" sz="1200" dirty="0">
+              <a:solidFill>
+                <a:schemeClr val="bg1"/>
+              </a:solidFill>
+            </a:endParaRPr>
+          </a:p>
+          <a:p>
+            <a:endParaRPr lang="en-GB" sz="1200" dirty="0">
+              <a:solidFill>
+                <a:schemeClr val="bg1"/>
+              </a:solidFill>
+            </a:endParaRPr>
+          </a:p>
+          <a:p>
+            <a:r>
+              <a:rPr lang="en-GB" sz="1200" dirty="0">
+                <a:solidFill>
+                  <a:schemeClr val="bg1"/>
+                </a:solidFill>
+              </a:rPr>
+              <a:t>© 2006 Thankyou Music (Admin. by Integrity Music Ltd)</a:t>
+            </a:r>
+          </a:p>
+          <a:p>
+            <a:r>
+              <a:rPr lang="en-GB" sz="1200" dirty="0">
+                <a:solidFill>
+                  <a:schemeClr val="bg1"/>
+                </a:solidFill>
+              </a:rPr>
+              <a:t>For use solely with the </a:t>
+            </a:r>
+            <a:r>
+              <a:rPr lang="en-GB" sz="1200" dirty="0" err="1">
+                <a:solidFill>
+                  <a:schemeClr val="bg1"/>
+                </a:solidFill>
+              </a:rPr>
+              <a:t>SongSelect</a:t>
+            </a:r>
+            <a:r>
+              <a:rPr lang="en-GB" sz="1200" dirty="0">
+                <a:solidFill>
+                  <a:schemeClr val="bg1"/>
+                </a:solidFill>
+              </a:rPr>
+              <a:t>® Terms of Use. All rights reserved. www.ccli.com</a:t>
+            </a:r>
+          </a:p>
+          <a:p>
+            <a:endParaRPr lang="en-GB" sz="1200" dirty="0">
+              <a:solidFill>
+                <a:schemeClr val="bg1"/>
+              </a:solidFill>
+            </a:endParaRPr>
+          </a:p>
+          <a:p>
+            <a:r>
+              <a:rPr lang="en-GB" sz="1200" dirty="0">
+                <a:solidFill>
+                  <a:schemeClr val="bg1"/>
+                </a:solidFill>
+              </a:rPr>
+              <a:t>CCLI Licence No. 33265</a:t>
+            </a:r>
+          </a:p>
+        </p:txBody>
+      </p:sp>
+    </p:spTree>
+    <p:extLst>
+      <p:ext uri="{BB962C8B-B14F-4D97-AF65-F5344CB8AC3E}">
+        <p14:creationId xmlns:p14="http://schemas.microsoft.com/office/powerpoint/2010/main" val="160136059"/>
+      </p:ext>
+    </p:extLst>
+  </p:cSld>
+  <p:clrMapOvr>
+    <a:masterClrMapping/>
+  </p:clrMapOvr>
+</p:sld>
+</file>
+
+<file path=ppt/slides/slide47.xml><?xml version="1.0" encoding="utf-8"?>
+<p:sld xmlns:a="http://schemas.openxmlformats.org/drawingml/2006/main" xmlns:r="http://schemas.openxmlformats.org/officeDocument/2006/relationships" xmlns:p="http://schemas.openxmlformats.org/presentationml/2006/main">
+  <p:cSld>
+    <p:spTree>
+      <p:nvGrpSpPr>
+        <p:cNvPr id="1" name=""/>
+        <p:cNvGrpSpPr/>
+        <p:nvPr/>
+      </p:nvGrpSpPr>
+      <p:grpSpPr>
+        <a:xfrm>
+          <a:off x="0" y="0"/>
+          <a:ext cx="0" cy="0"/>
+          <a:chOff x="0" y="0"/>
+          <a:chExt cx="0" cy="0"/>
+        </a:xfrm>
+      </p:grpSpPr>
+      <p:sp>
+        <p:nvSpPr>
+          <p:cNvPr id="3" name="Subtitle 2"/>
+          <p:cNvSpPr>
+            <a:spLocks noGrp="1"/>
+          </p:cNvSpPr>
+          <p:nvPr>
+            <p:ph type="subTitle" idx="1"/>
+          </p:nvPr>
+        </p:nvSpPr>
+        <p:spPr>
+          <a:xfrm>
+            <a:off x="203118" y="692696"/>
+            <a:ext cx="8640960" cy="6480720"/>
+          </a:xfrm>
+        </p:spPr>
+        <p:txBody>
+          <a:bodyPr>
+            <a:noAutofit/>
+          </a:bodyPr>
+          <a:lstStyle/>
+          <a:p>
+            <a:r>
+              <a:rPr lang="en-GB" sz="3600" dirty="0">
+                <a:solidFill>
+                  <a:schemeClr val="bg1"/>
+                </a:solidFill>
+              </a:rPr>
+              <a:t>You're the God of this city</a:t>
+            </a:r>
+          </a:p>
+          <a:p>
+            <a:r>
+              <a:rPr lang="en-GB" sz="3600" dirty="0">
+                <a:solidFill>
+                  <a:schemeClr val="bg1"/>
+                </a:solidFill>
+              </a:rPr>
+              <a:t>You're the King of these people</a:t>
+            </a:r>
+          </a:p>
+          <a:p>
+            <a:r>
+              <a:rPr lang="en-GB" sz="3600" dirty="0">
+                <a:solidFill>
+                  <a:schemeClr val="bg1"/>
+                </a:solidFill>
+              </a:rPr>
+              <a:t>You're the Lord of this nation</a:t>
+            </a:r>
+          </a:p>
+          <a:p>
+            <a:r>
+              <a:rPr lang="en-GB" sz="3600" dirty="0">
+                <a:solidFill>
+                  <a:schemeClr val="bg1"/>
+                </a:solidFill>
+              </a:rPr>
+              <a:t>You are</a:t>
+            </a:r>
+          </a:p>
+          <a:p>
+            <a:r>
+              <a:rPr lang="en-GB" sz="3600" dirty="0">
+                <a:solidFill>
+                  <a:schemeClr val="bg1"/>
+                </a:solidFill>
+              </a:rPr>
+              <a:t>You're the light in this darkness</a:t>
+            </a:r>
+          </a:p>
+          <a:p>
+            <a:r>
+              <a:rPr lang="en-GB" sz="3600" dirty="0">
+                <a:solidFill>
+                  <a:schemeClr val="bg1"/>
+                </a:solidFill>
+              </a:rPr>
+              <a:t>You're the hope to the hopeless</a:t>
+            </a:r>
+          </a:p>
+          <a:p>
+            <a:r>
+              <a:rPr lang="en-GB" sz="3600" dirty="0">
+                <a:solidFill>
+                  <a:schemeClr val="bg1"/>
+                </a:solidFill>
+              </a:rPr>
+              <a:t>You're the peace to the restless</a:t>
+            </a:r>
+          </a:p>
+          <a:p>
+            <a:r>
+              <a:rPr lang="en-GB" sz="3600" dirty="0">
+                <a:solidFill>
+                  <a:schemeClr val="bg1"/>
+                </a:solidFill>
+              </a:rPr>
+              <a:t>You are</a:t>
+            </a:r>
+          </a:p>
+        </p:txBody>
+      </p:sp>
+      <p:sp>
+        <p:nvSpPr>
+          <p:cNvPr id="4" name="TextBox 3"/>
+          <p:cNvSpPr txBox="1"/>
+          <p:nvPr/>
+        </p:nvSpPr>
+        <p:spPr>
+          <a:xfrm>
+            <a:off x="8529729" y="0"/>
+            <a:ext cx="628698" cy="461665"/>
+          </a:xfrm>
+          <a:prstGeom prst="rect">
+            <a:avLst/>
+          </a:prstGeom>
+          <a:noFill/>
+        </p:spPr>
+        <p:txBody>
+          <a:bodyPr wrap="none" rtlCol="0">
+            <a:spAutoFit/>
+          </a:bodyPr>
+          <a:lstStyle/>
+          <a:p>
+            <a:r>
+              <a:rPr lang="en-GB" sz="2400" b="1" dirty="0">
+                <a:solidFill>
+                  <a:schemeClr val="bg1"/>
+                </a:solidFill>
+              </a:rPr>
+              <a:t>1/2</a:t>
+            </a:r>
+          </a:p>
+        </p:txBody>
+      </p:sp>
+    </p:spTree>
+    <p:extLst>
+      <p:ext uri="{BB962C8B-B14F-4D97-AF65-F5344CB8AC3E}">
+        <p14:creationId xmlns:p14="http://schemas.microsoft.com/office/powerpoint/2010/main" val="856293209"/>
+      </p:ext>
+    </p:extLst>
+  </p:cSld>
+  <p:clrMapOvr>
+    <a:masterClrMapping/>
+  </p:clrMapOvr>
+</p:sld>
+</file>
+
+<file path=ppt/slides/slide48.xml><?xml version="1.0" encoding="utf-8"?>
+<p:sld xmlns:a="http://schemas.openxmlformats.org/drawingml/2006/main" xmlns:r="http://schemas.openxmlformats.org/officeDocument/2006/relationships" xmlns:p="http://schemas.openxmlformats.org/presentationml/2006/main">
+  <p:cSld>
+    <p:spTree>
+      <p:nvGrpSpPr>
+        <p:cNvPr id="1" name=""/>
+        <p:cNvGrpSpPr/>
+        <p:nvPr/>
+      </p:nvGrpSpPr>
+      <p:grpSpPr>
+        <a:xfrm>
+          <a:off x="0" y="0"/>
+          <a:ext cx="0" cy="0"/>
+          <a:chOff x="0" y="0"/>
+          <a:chExt cx="0" cy="0"/>
+        </a:xfrm>
+      </p:grpSpPr>
+      <p:sp>
+        <p:nvSpPr>
+          <p:cNvPr id="3" name="Subtitle 2"/>
+          <p:cNvSpPr>
+            <a:spLocks noGrp="1"/>
+          </p:cNvSpPr>
+          <p:nvPr>
+            <p:ph type="subTitle" idx="1"/>
+          </p:nvPr>
+        </p:nvSpPr>
+        <p:spPr>
+          <a:xfrm>
+            <a:off x="323528" y="692696"/>
+            <a:ext cx="8640960" cy="6480720"/>
+          </a:xfrm>
+        </p:spPr>
+        <p:txBody>
+          <a:bodyPr>
+            <a:noAutofit/>
+          </a:bodyPr>
+          <a:lstStyle/>
+          <a:p>
+            <a:r>
+              <a:rPr lang="en-GB" sz="3600" dirty="0">
+                <a:solidFill>
+                  <a:schemeClr val="bg1"/>
+                </a:solidFill>
+              </a:rPr>
+              <a:t>There is no one like our God</a:t>
+            </a:r>
+          </a:p>
+          <a:p>
+            <a:r>
+              <a:rPr lang="en-GB" sz="3600" dirty="0">
+                <a:solidFill>
+                  <a:schemeClr val="bg1"/>
+                </a:solidFill>
+              </a:rPr>
+              <a:t>There is no one like You God</a:t>
+            </a:r>
+          </a:p>
+          <a:p>
+            <a:endParaRPr lang="en-GB" sz="3600" dirty="0">
+              <a:solidFill>
+                <a:schemeClr val="bg1"/>
+              </a:solidFill>
+            </a:endParaRPr>
+          </a:p>
+          <a:p>
+            <a:r>
+              <a:rPr lang="en-GB" sz="3600" dirty="0">
+                <a:solidFill>
+                  <a:schemeClr val="bg1"/>
+                </a:solidFill>
+              </a:rPr>
+              <a:t>Greater things have yet to come</a:t>
+            </a:r>
+          </a:p>
+          <a:p>
+            <a:r>
+              <a:rPr lang="en-GB" sz="3600" dirty="0">
+                <a:solidFill>
+                  <a:schemeClr val="bg1"/>
+                </a:solidFill>
+              </a:rPr>
+              <a:t>And greater things have still to be done</a:t>
+            </a:r>
+          </a:p>
+          <a:p>
+            <a:r>
+              <a:rPr lang="en-GB" sz="3600" dirty="0">
+                <a:solidFill>
+                  <a:schemeClr val="bg1"/>
+                </a:solidFill>
+              </a:rPr>
+              <a:t>In this city</a:t>
+            </a:r>
+          </a:p>
+          <a:p>
+            <a:r>
+              <a:rPr lang="en-GB" sz="3600" dirty="0">
+                <a:solidFill>
+                  <a:schemeClr val="bg1"/>
+                </a:solidFill>
+              </a:rPr>
+              <a:t>Greater things have yet to come</a:t>
+            </a:r>
+          </a:p>
+          <a:p>
+            <a:r>
+              <a:rPr lang="en-GB" sz="3600" dirty="0">
+                <a:solidFill>
+                  <a:schemeClr val="bg1"/>
+                </a:solidFill>
+              </a:rPr>
+              <a:t>And greater things have still to be done here</a:t>
+            </a:r>
+          </a:p>
+        </p:txBody>
+      </p:sp>
+      <p:sp>
+        <p:nvSpPr>
+          <p:cNvPr id="4" name="TextBox 3"/>
+          <p:cNvSpPr txBox="1"/>
+          <p:nvPr/>
+        </p:nvSpPr>
+        <p:spPr>
+          <a:xfrm>
+            <a:off x="8529729" y="0"/>
+            <a:ext cx="628698" cy="461665"/>
+          </a:xfrm>
+          <a:prstGeom prst="rect">
+            <a:avLst/>
+          </a:prstGeom>
+          <a:noFill/>
+        </p:spPr>
+        <p:txBody>
+          <a:bodyPr wrap="none" rtlCol="0">
+            <a:spAutoFit/>
+          </a:bodyPr>
+          <a:lstStyle/>
+          <a:p>
+            <a:r>
+              <a:rPr lang="en-GB" sz="2400" b="1" dirty="0">
+                <a:solidFill>
+                  <a:schemeClr val="bg1"/>
+                </a:solidFill>
+              </a:rPr>
+              <a:t>2/2</a:t>
+            </a:r>
+          </a:p>
+        </p:txBody>
+      </p:sp>
+    </p:spTree>
+    <p:extLst>
+      <p:ext uri="{BB962C8B-B14F-4D97-AF65-F5344CB8AC3E}">
+        <p14:creationId xmlns:p14="http://schemas.microsoft.com/office/powerpoint/2010/main" val="45561885"/>
+      </p:ext>
+    </p:extLst>
+  </p:cSld>
+  <p:clrMapOvr>
+    <a:masterClrMapping/>
+  </p:clrMapOvr>
+</p:sld>
+</file>
+
+<file path=ppt/slides/slide49.xml><?xml version="1.0" encoding="utf-8"?>
 <p:sld xmlns:a="http://schemas.openxmlformats.org/drawingml/2006/main" xmlns:r="http://schemas.openxmlformats.org/officeDocument/2006/relationships" xmlns:p="http://schemas.openxmlformats.org/presentationml/2006/main">
   <p:cSld>
     <p:spTree>
